--- a/Проект «Помощник Толя».pptx
+++ b/Проект «Помощник Толя».pptx
@@ -229,7 +229,7 @@
           <a:p>
             <a:fld id="{EE5BA4B5-D140-490E-8D03-B70012B5A6D1}" type="datetime1">
               <a:rPr lang="ru-RU" smtClean="0"/>
-              <a:t>08.04.2022</a:t>
+              <a:t>15.04.2022</a:t>
             </a:fld>
             <a:endParaRPr lang="ru-RU" dirty="0"/>
           </a:p>
@@ -407,7 +407,7 @@
             <a:fld id="{135ED7F2-571E-4189-A38B-DB1E62DD2F92}" type="datetime1">
               <a:rPr lang="ru-RU" smtClean="0"/>
               <a:pPr/>
-              <a:t>08.04.2022</a:t>
+              <a:t>15.04.2022</a:t>
             </a:fld>
             <a:endParaRPr lang="ru-RU" dirty="0"/>
           </a:p>
@@ -945,7 +945,7 @@
             <a:pPr rtl="0"/>
             <a:fld id="{3B663CB3-031B-4322-9B39-0C663A84FF6B}" type="datetime1">
               <a:rPr lang="ru-RU" noProof="0" smtClean="0"/>
-              <a:t>08.04.2022</a:t>
+              <a:t>15.04.2022</a:t>
             </a:fld>
             <a:endParaRPr lang="ru-RU" noProof="0"/>
           </a:p>
@@ -1223,7 +1223,7 @@
             <a:pPr rtl="0"/>
             <a:fld id="{39671958-9150-4522-9DD7-0CB409C454A6}" type="datetime1">
               <a:rPr lang="ru-RU" noProof="0" smtClean="0"/>
-              <a:t>08.04.2022</a:t>
+              <a:t>15.04.2022</a:t>
             </a:fld>
             <a:endParaRPr lang="ru-RU" noProof="0"/>
           </a:p>
@@ -1421,7 +1421,7 @@
             <a:pPr rtl="0"/>
             <a:fld id="{65221D3A-2595-4E89-BD59-A51E0B4C4808}" type="datetime1">
               <a:rPr lang="ru-RU" noProof="0" smtClean="0"/>
-              <a:t>08.04.2022</a:t>
+              <a:t>15.04.2022</a:t>
             </a:fld>
             <a:endParaRPr lang="ru-RU" noProof="0"/>
           </a:p>
@@ -1695,7 +1695,7 @@
             <a:pPr rtl="0"/>
             <a:fld id="{992D43AE-1D8D-4026-BBC4-3D1AFE2A3809}" type="datetime1">
               <a:rPr lang="ru-RU" noProof="0" smtClean="0"/>
-              <a:t>08.04.2022</a:t>
+              <a:t>15.04.2022</a:t>
             </a:fld>
             <a:endParaRPr lang="ru-RU" noProof="0"/>
           </a:p>
@@ -2025,7 +2025,7 @@
             <a:pPr rtl="0"/>
             <a:fld id="{6B1B95D7-8B2C-4D7A-8452-E64C17750E10}" type="datetime1">
               <a:rPr lang="ru-RU" noProof="0" smtClean="0"/>
-              <a:t>08.04.2022</a:t>
+              <a:t>15.04.2022</a:t>
             </a:fld>
             <a:endParaRPr lang="ru-RU" noProof="0"/>
           </a:p>
@@ -2647,7 +2647,7 @@
             <a:pPr rtl="0"/>
             <a:fld id="{39671958-9150-4522-9DD7-0CB409C454A6}" type="datetime1">
               <a:rPr lang="ru-RU" noProof="0" smtClean="0"/>
-              <a:t>08.04.2022</a:t>
+              <a:t>15.04.2022</a:t>
             </a:fld>
             <a:endParaRPr lang="ru-RU" noProof="0"/>
           </a:p>
@@ -3498,7 +3498,7 @@
             <a:pPr rtl="0"/>
             <a:fld id="{4772FF69-75E4-47A6-B407-F71C4142FD3D}" type="datetime1">
               <a:rPr lang="ru-RU" noProof="0" smtClean="0"/>
-              <a:t>08.04.2022</a:t>
+              <a:t>15.04.2022</a:t>
             </a:fld>
             <a:endParaRPr lang="ru-RU" noProof="0"/>
           </a:p>
@@ -3671,7 +3671,7 @@
             <a:pPr rtl="0"/>
             <a:fld id="{F28909E9-A188-451B-89E1-4745E905AF5A}" type="datetime1">
               <a:rPr lang="ru-RU" noProof="0" smtClean="0"/>
-              <a:t>08.04.2022</a:t>
+              <a:t>15.04.2022</a:t>
             </a:fld>
             <a:endParaRPr lang="ru-RU" noProof="0"/>
           </a:p>
@@ -3854,7 +3854,7 @@
             <a:pPr rtl="0"/>
             <a:fld id="{C42E9C98-CDFE-4F0E-AC53-E63DA2D354D3}" type="datetime1">
               <a:rPr lang="ru-RU" noProof="0" smtClean="0"/>
-              <a:t>08.04.2022</a:t>
+              <a:t>15.04.2022</a:t>
             </a:fld>
             <a:endParaRPr lang="ru-RU" noProof="0"/>
           </a:p>
@@ -4027,7 +4027,7 @@
             <a:pPr rtl="0"/>
             <a:fld id="{EDE7FBDD-B546-4F89-A271-215CA65CF96F}" type="datetime1">
               <a:rPr lang="ru-RU" noProof="0" smtClean="0"/>
-              <a:t>08.04.2022</a:t>
+              <a:t>15.04.2022</a:t>
             </a:fld>
             <a:endParaRPr lang="ru-RU" noProof="0"/>
           </a:p>
@@ -4277,7 +4277,7 @@
             <a:pPr rtl="0"/>
             <a:fld id="{135C673F-0519-45DD-83E6-D26ADD1EEE5C}" type="datetime1">
               <a:rPr lang="ru-RU" noProof="0" smtClean="0"/>
-              <a:t>08.04.2022</a:t>
+              <a:t>15.04.2022</a:t>
             </a:fld>
             <a:endParaRPr lang="ru-RU" noProof="0"/>
           </a:p>
@@ -4572,7 +4572,7 @@
             <a:pPr rtl="0"/>
             <a:fld id="{39671958-9150-4522-9DD7-0CB409C454A6}" type="datetime1">
               <a:rPr lang="ru-RU" noProof="0" smtClean="0"/>
-              <a:t>08.04.2022</a:t>
+              <a:t>15.04.2022</a:t>
             </a:fld>
             <a:endParaRPr lang="ru-RU" noProof="0"/>
           </a:p>
@@ -5020,7 +5020,7 @@
             <a:pPr rtl="0"/>
             <a:fld id="{93D79C44-F1CF-441E-99FD-712B496103FA}" type="datetime1">
               <a:rPr lang="ru-RU" noProof="0" smtClean="0"/>
-              <a:t>08.04.2022</a:t>
+              <a:t>15.04.2022</a:t>
             </a:fld>
             <a:endParaRPr lang="ru-RU" noProof="0"/>
           </a:p>
@@ -5141,7 +5141,7 @@
             <a:pPr rtl="0"/>
             <a:fld id="{C9D308E7-F0A1-43DF-B765-09E3BE2C9938}" type="datetime1">
               <a:rPr lang="ru-RU" noProof="0" smtClean="0"/>
-              <a:t>08.04.2022</a:t>
+              <a:t>15.04.2022</a:t>
             </a:fld>
             <a:endParaRPr lang="ru-RU" noProof="0"/>
           </a:p>
@@ -5239,7 +5239,7 @@
             <a:pPr rtl="0"/>
             <a:fld id="{7A0A5B94-615E-4ECF-9834-CCA5B2882595}" type="datetime1">
               <a:rPr lang="ru-RU" noProof="0" smtClean="0"/>
-              <a:t>08.04.2022</a:t>
+              <a:t>15.04.2022</a:t>
             </a:fld>
             <a:endParaRPr lang="ru-RU" noProof="0"/>
           </a:p>
@@ -5521,7 +5521,7 @@
             <a:pPr rtl="0"/>
             <a:fld id="{77DE9A6A-5FF4-4BC8-BE9D-D0B28E07ED08}" type="datetime1">
               <a:rPr lang="ru-RU" noProof="0" smtClean="0"/>
-              <a:t>08.04.2022</a:t>
+              <a:t>15.04.2022</a:t>
             </a:fld>
             <a:endParaRPr lang="ru-RU" noProof="0"/>
           </a:p>
@@ -5799,7 +5799,7 @@
             <a:pPr rtl="0"/>
             <a:fld id="{F7C82C95-57CB-4637-908D-E009952AF30F}" type="datetime1">
               <a:rPr lang="ru-RU" noProof="0" smtClean="0"/>
-              <a:t>08.04.2022</a:t>
+              <a:t>15.04.2022</a:t>
             </a:fld>
             <a:endParaRPr lang="ru-RU" noProof="0"/>
           </a:p>
@@ -6225,7 +6225,7 @@
             <a:pPr rtl="0"/>
             <a:fld id="{39671958-9150-4522-9DD7-0CB409C454A6}" type="datetime1">
               <a:rPr lang="ru-RU" noProof="0" smtClean="0"/>
-              <a:t>08.04.2022</a:t>
+              <a:t>15.04.2022</a:t>
             </a:fld>
             <a:endParaRPr lang="ru-RU" noProof="0"/>
           </a:p>
@@ -6760,7 +6760,6 @@
                 <a:lumMod val="134000"/>
               </a:schemeClr>
             </a:duotone>
-            <a:extLst/>
           </a:blip>
           <a:stretch/>
         </a:blipFill>
@@ -6805,7 +6804,6 @@
               </a:schemeClr>
             </a:duotone>
             <a:alphaModFix amt="25000"/>
-            <a:extLst/>
           </a:blip>
           <a:srcRect t="23391" r="9091"/>
           <a:stretch/>
@@ -6909,13 +6907,13 @@
   <p:clrMapOvr>
     <a:masterClrMapping/>
   </p:clrMapOvr>
-  <mc:AlternateContent xmlns:mc="http://schemas.openxmlformats.org/markup-compatibility/2006">
-    <mc:Choice xmlns:p14="http://schemas.microsoft.com/office/powerpoint/2010/main" Requires="p14">
+  <mc:AlternateContent xmlns:mc="http://schemas.openxmlformats.org/markup-compatibility/2006" xmlns:p14="http://schemas.microsoft.com/office/powerpoint/2010/main">
+    <mc:Choice Requires="p14">
       <p:transition spd="slow" p14:dur="1600">
         <p:blinds dir="vert"/>
       </p:transition>
     </mc:Choice>
-    <mc:Fallback>
+    <mc:Fallback xmlns="">
       <p:transition spd="slow">
         <p:blinds dir="vert"/>
       </p:transition>
@@ -7052,13 +7050,13 @@
   <p:clrMapOvr>
     <a:masterClrMapping/>
   </p:clrMapOvr>
-  <mc:AlternateContent xmlns:mc="http://schemas.openxmlformats.org/markup-compatibility/2006">
-    <mc:Choice xmlns:p14="http://schemas.microsoft.com/office/powerpoint/2010/main" Requires="p14">
+  <mc:AlternateContent xmlns:mc="http://schemas.openxmlformats.org/markup-compatibility/2006" xmlns:p14="http://schemas.microsoft.com/office/powerpoint/2010/main">
+    <mc:Choice Requires="p14">
       <p:transition spd="slow" p14:dur="1600">
         <p:blinds dir="vert"/>
       </p:transition>
     </mc:Choice>
-    <mc:Fallback>
+    <mc:Fallback xmlns="">
       <p:transition spd="slow">
         <p:blinds dir="vert"/>
       </p:transition>
@@ -7102,7 +7100,7 @@
         </p:nvSpPr>
         <p:spPr>
           <a:xfrm>
-            <a:off x="2855715" y="275312"/>
+            <a:off x="2855716" y="388630"/>
             <a:ext cx="6480568" cy="894819"/>
           </a:xfrm>
         </p:spPr>
@@ -7136,8 +7134,8 @@
         </p:nvSpPr>
         <p:spPr>
           <a:xfrm>
-            <a:off x="663018" y="1264399"/>
-            <a:ext cx="10865962" cy="4862659"/>
+            <a:off x="663019" y="1283449"/>
+            <a:ext cx="10865962" cy="3802901"/>
           </a:xfrm>
         </p:spPr>
         <p:txBody>
@@ -7199,15 +7197,7 @@
             </a:r>
             <a:r>
               <a:rPr lang="ru-RU" sz="2400" dirty="0"/>
-              <a:t>,</a:t>
-            </a:r>
-            <a:r>
-              <a:rPr lang="en-US" sz="2400" dirty="0"/>
-              <a:t> </a:t>
-            </a:r>
-            <a:r>
-              <a:rPr lang="ru-RU" sz="2400" dirty="0"/>
-              <a:t>работа со временем </a:t>
+              <a:t>, работа с xml </a:t>
             </a:r>
             <a:r>
               <a:rPr lang="en-US" sz="2400" dirty="0"/>
@@ -7215,7 +7205,7 @@
             </a:r>
             <a:r>
               <a:rPr lang="ru-RU" sz="2400" dirty="0"/>
-              <a:t>datetime</a:t>
+              <a:t>xml</a:t>
             </a:r>
             <a:r>
               <a:rPr lang="en-US" sz="2400" dirty="0"/>
@@ -7223,15 +7213,15 @@
             </a:r>
             <a:r>
               <a:rPr lang="ru-RU" sz="2400" dirty="0"/>
-              <a:t>, вывод информации об ошибке</a:t>
+              <a:t>, работа с потоками </a:t>
             </a:r>
             <a:r>
               <a:rPr lang="en-US" sz="2400" dirty="0"/>
-              <a:t> (</a:t>
+              <a:t>(</a:t>
             </a:r>
             <a:r>
               <a:rPr lang="ru-RU" sz="2400" dirty="0"/>
-              <a:t>traceback</a:t>
+              <a:t>io</a:t>
             </a:r>
             <a:r>
               <a:rPr lang="en-US" sz="2400" dirty="0"/>
@@ -7239,79 +7229,15 @@
             </a:r>
             <a:r>
               <a:rPr lang="ru-RU" sz="2400" dirty="0"/>
-              <a:t>, работа с регулярными выражениями </a:t>
+              <a:t>, перевод текста в речь </a:t>
             </a:r>
             <a:r>
               <a:rPr lang="en-US" sz="2400" dirty="0"/>
               <a:t>(</a:t>
             </a:r>
             <a:r>
-              <a:rPr lang="ru-RU" sz="2400" dirty="0"/>
-              <a:t>re</a:t>
-            </a:r>
-            <a:r>
-              <a:rPr lang="en-US" sz="2400" dirty="0"/>
-              <a:t>)</a:t>
-            </a:r>
-            <a:r>
-              <a:rPr lang="ru-RU" sz="2400" dirty="0"/>
-              <a:t>, работа с xml </a:t>
-            </a:r>
-            <a:r>
-              <a:rPr lang="en-US" sz="2400" dirty="0"/>
-              <a:t>(</a:t>
-            </a:r>
-            <a:r>
-              <a:rPr lang="ru-RU" sz="2400" dirty="0"/>
-              <a:t>xml</a:t>
-            </a:r>
-            <a:r>
-              <a:rPr lang="en-US" sz="2400" dirty="0"/>
-              <a:t>)</a:t>
-            </a:r>
-            <a:r>
-              <a:rPr lang="ru-RU" sz="2400" dirty="0"/>
-              <a:t>, работа с потоками </a:t>
-            </a:r>
-            <a:r>
-              <a:rPr lang="en-US" sz="2400" dirty="0"/>
-              <a:t>(</a:t>
-            </a:r>
-            <a:r>
-              <a:rPr lang="ru-RU" sz="2400" dirty="0"/>
-              <a:t>io</a:t>
-            </a:r>
-            <a:r>
-              <a:rPr lang="en-US" sz="2400" dirty="0"/>
-              <a:t>)</a:t>
-            </a:r>
-            <a:r>
-              <a:rPr lang="ru-RU" sz="2400" dirty="0"/>
-              <a:t>, перевод текста в речь </a:t>
-            </a:r>
-            <a:r>
-              <a:rPr lang="en-US" sz="2400" dirty="0"/>
-              <a:t>(</a:t>
-            </a:r>
-            <a:r>
-              <a:rPr lang="ru-RU" sz="2400" dirty="0"/>
+              <a:rPr lang="ru-RU" sz="2400" dirty="0" err="1"/>
               <a:t>gtts</a:t>
-            </a:r>
-            <a:r>
-              <a:rPr lang="en-US" sz="2400" dirty="0"/>
-              <a:t>)</a:t>
-            </a:r>
-            <a:r>
-              <a:rPr lang="ru-RU" sz="2400" dirty="0"/>
-              <a:t>, работа с системой </a:t>
-            </a:r>
-            <a:r>
-              <a:rPr lang="en-US" sz="2400" dirty="0"/>
-              <a:t>(</a:t>
-            </a:r>
-            <a:r>
-              <a:rPr lang="ru-RU" sz="2400" dirty="0"/>
-              <a:t>os</a:t>
             </a:r>
             <a:r>
               <a:rPr lang="en-US" sz="2400" dirty="0"/>
@@ -7334,13 +7260,13 @@
   <p:clrMapOvr>
     <a:masterClrMapping/>
   </p:clrMapOvr>
-  <mc:AlternateContent xmlns:mc="http://schemas.openxmlformats.org/markup-compatibility/2006">
-    <mc:Choice xmlns:p14="http://schemas.microsoft.com/office/powerpoint/2010/main" Requires="p14">
+  <mc:AlternateContent xmlns:mc="http://schemas.openxmlformats.org/markup-compatibility/2006" xmlns:p14="http://schemas.microsoft.com/office/powerpoint/2010/main">
+    <mc:Choice Requires="p14">
       <p:transition spd="slow" p14:dur="1600">
         <p:blinds dir="vert"/>
       </p:transition>
     </mc:Choice>
-    <mc:Fallback>
+    <mc:Fallback xmlns="">
       <p:transition spd="slow">
         <p:blinds dir="vert"/>
       </p:transition>
@@ -7457,13 +7383,13 @@
   <p:clrMapOvr>
     <a:masterClrMapping/>
   </p:clrMapOvr>
-  <mc:AlternateContent xmlns:mc="http://schemas.openxmlformats.org/markup-compatibility/2006">
-    <mc:Choice xmlns:p14="http://schemas.microsoft.com/office/powerpoint/2010/main" Requires="p14">
+  <mc:AlternateContent xmlns:mc="http://schemas.openxmlformats.org/markup-compatibility/2006" xmlns:p14="http://schemas.microsoft.com/office/powerpoint/2010/main">
+    <mc:Choice Requires="p14">
       <p:transition spd="slow" p14:dur="1600">
         <p:blinds dir="vert"/>
       </p:transition>
     </mc:Choice>
-    <mc:Fallback>
+    <mc:Fallback xmlns="">
       <p:transition spd="slow">
         <p:blinds dir="vert"/>
       </p:transition>
@@ -8336,14 +8262,6 @@
 </file>
 
 <file path=customXml/item2.xml><?xml version="1.0" encoding="utf-8"?>
-<p:properties xmlns:p="http://schemas.microsoft.com/office/2006/metadata/properties" xmlns:xsi="http://www.w3.org/2001/XMLSchema-instance" xmlns:pc="http://schemas.microsoft.com/office/infopath/2007/PartnerControls">
-  <documentManagement>
-    <MediaServiceKeyPoints xmlns="71af3243-3dd4-4a8d-8c0d-dd76da1f02a5" xsi:nil="true"/>
-  </documentManagement>
-</p:properties>
-</file>
-
-<file path=customXml/item3.xml><?xml version="1.0" encoding="utf-8"?>
 <ct:contentTypeSchema xmlns:ct="http://schemas.microsoft.com/office/2006/metadata/contentType" xmlns:ma="http://schemas.microsoft.com/office/2006/metadata/properties/metaAttributes" ct:_="" ma:_="" ma:contentTypeName="Document" ma:contentTypeID="0x01010079F111ED35F8CC479449609E8A0923A6" ma:contentTypeVersion="11" ma:contentTypeDescription="Create a new document." ma:contentTypeScope="" ma:versionID="1c2eb7a32e66fb6e4260f3771546a5e2">
   <xsd:schema xmlns:xsd="http://www.w3.org/2001/XMLSchema" xmlns:xs="http://www.w3.org/2001/XMLSchema" xmlns:p="http://schemas.microsoft.com/office/2006/metadata/properties" xmlns:ns2="71af3243-3dd4-4a8d-8c0d-dd76da1f02a5" xmlns:ns3="16c05727-aa75-4e4a-9b5f-8a80a1165891" targetNamespace="http://schemas.microsoft.com/office/2006/metadata/properties" ma:root="true" ma:fieldsID="04e1f6479c48b08974ba73b5ca973489" ns2:_="" ns3:_="">
     <xsd:import namespace="71af3243-3dd4-4a8d-8c0d-dd76da1f02a5"/>
@@ -8554,6 +8472,14 @@
 </ct:contentTypeSchema>
 </file>
 
+<file path=customXml/item3.xml><?xml version="1.0" encoding="utf-8"?>
+<p:properties xmlns:p="http://schemas.microsoft.com/office/2006/metadata/properties" xmlns:xsi="http://www.w3.org/2001/XMLSchema-instance" xmlns:pc="http://schemas.microsoft.com/office/infopath/2007/PartnerControls">
+  <documentManagement>
+    <MediaServiceKeyPoints xmlns="71af3243-3dd4-4a8d-8c0d-dd76da1f02a5" xsi:nil="true"/>
+  </documentManagement>
+</p:properties>
+</file>
+
 <file path=customXml/itemProps1.xml><?xml version="1.0" encoding="utf-8"?>
 <ds:datastoreItem xmlns:ds="http://schemas.openxmlformats.org/officeDocument/2006/customXml" ds:itemID="{E6953E32-00D6-4FFB-AD6B-B2091BB3289C}">
   <ds:schemaRefs>
@@ -8563,23 +8489,6 @@
 </file>
 
 <file path=customXml/itemProps2.xml><?xml version="1.0" encoding="utf-8"?>
-<ds:datastoreItem xmlns:ds="http://schemas.openxmlformats.org/officeDocument/2006/customXml" ds:itemID="{5ACC4F44-154A-4E67-B129-1B5389E9F993}">
-  <ds:schemaRefs>
-    <ds:schemaRef ds:uri="http://purl.org/dc/dcmitype/"/>
-    <ds:schemaRef ds:uri="http://schemas.microsoft.com/office/2006/documentManagement/types"/>
-    <ds:schemaRef ds:uri="http://purl.org/dc/elements/1.1/"/>
-    <ds:schemaRef ds:uri="http://www.w3.org/XML/1998/namespace"/>
-    <ds:schemaRef ds:uri="http://schemas.microsoft.com/office/infopath/2007/PartnerControls"/>
-    <ds:schemaRef ds:uri="http://schemas.openxmlformats.org/package/2006/metadata/core-properties"/>
-    <ds:schemaRef ds:uri="http://schemas.microsoft.com/office/2006/metadata/properties"/>
-    <ds:schemaRef ds:uri="16c05727-aa75-4e4a-9b5f-8a80a1165891"/>
-    <ds:schemaRef ds:uri="71af3243-3dd4-4a8d-8c0d-dd76da1f02a5"/>
-    <ds:schemaRef ds:uri="http://purl.org/dc/terms/"/>
-  </ds:schemaRefs>
-</ds:datastoreItem>
-</file>
-
-<file path=customXml/itemProps3.xml><?xml version="1.0" encoding="utf-8"?>
 <ds:datastoreItem xmlns:ds="http://schemas.openxmlformats.org/officeDocument/2006/customXml" ds:itemID="{AB5FFD32-E0A8-4E83-80B3-20612105D9EB}">
   <ds:schemaRefs>
     <ds:schemaRef ds:uri="http://schemas.microsoft.com/office/2006/metadata/contentType"/>
@@ -8596,4 +8505,21 @@
     <ds:schemaRef ds:uri="http://schemas.microsoft.com/internal/obd"/>
   </ds:schemaRefs>
 </ds:datastoreItem>
+</file>
+
+<file path=customXml/itemProps3.xml><?xml version="1.0" encoding="utf-8"?>
+<ds:datastoreItem xmlns:ds="http://schemas.openxmlformats.org/officeDocument/2006/customXml" ds:itemID="{5ACC4F44-154A-4E67-B129-1B5389E9F993}">
+  <ds:schemaRefs>
+    <ds:schemaRef ds:uri="http://purl.org/dc/dcmitype/"/>
+    <ds:schemaRef ds:uri="http://schemas.microsoft.com/office/2006/documentManagement/types"/>
+    <ds:schemaRef ds:uri="http://purl.org/dc/elements/1.1/"/>
+    <ds:schemaRef ds:uri="http://www.w3.org/XML/1998/namespace"/>
+    <ds:schemaRef ds:uri="http://schemas.microsoft.com/office/infopath/2007/PartnerControls"/>
+    <ds:schemaRef ds:uri="http://schemas.openxmlformats.org/package/2006/metadata/core-properties"/>
+    <ds:schemaRef ds:uri="http://schemas.microsoft.com/office/2006/metadata/properties"/>
+    <ds:schemaRef ds:uri="16c05727-aa75-4e4a-9b5f-8a80a1165891"/>
+    <ds:schemaRef ds:uri="71af3243-3dd4-4a8d-8c0d-dd76da1f02a5"/>
+    <ds:schemaRef ds:uri="http://purl.org/dc/terms/"/>
+  </ds:schemaRefs>
+</ds:datastoreItem>
 </file>